--- a/Evicendias.pptx
+++ b/Evicendias.pptx
@@ -6,6 +6,10 @@
   </p:sldMasterIdLst>
   <p:sldIdLst>
     <p:sldId id="256" r:id="rId6"/>
+    <p:sldId id="257" r:id="rId7"/>
+    <p:sldId id="258" r:id="rId8"/>
+    <p:sldId id="259" r:id="rId9"/>
+    <p:sldId id="260" r:id="rId10"/>
   </p:sldIdLst>
   <p:sldSz cx="9144000" cy="6858000" type="screen4x3"/>
   <p:notesSz cx="6858000" cy="9144000"/>
@@ -3076,7 +3080,203 @@
         <p:spPr>
           <a:xfrm>
             <a:off x="0" y="0"/>
-            <a:ext cx="6096000" cy="4572000"/>
+            <a:ext cx="12192000" cy="6858000"/>
+          </a:xfrm>
+          <a:prstGeom prst="rect">
+            <a:avLst/>
+          </a:prstGeom>
+        </p:spPr>
+      </p:pic>
+    </p:spTree>
+  </p:cSld>
+  <p:clrMapOvr>
+    <a:masterClrMapping/>
+  </p:clrMapOvr>
+</p:sld>
+</file>
+
+<file path=ppt/slides/slide2.xml><?xml version="1.0" encoding="utf-8"?>
+<p:sld xmlns:p="http://schemas.openxmlformats.org/presentationml/2006/main" xmlns:a="http://schemas.openxmlformats.org/drawingml/2006/main" xmlns:r="http://schemas.openxmlformats.org/officeDocument/2006/relationships">
+  <p:cSld>
+    <p:spTree>
+      <p:nvGrpSpPr>
+        <p:cNvPr id="1" name=""/>
+        <p:cNvGrpSpPr/>
+        <p:nvPr/>
+      </p:nvGrpSpPr>
+      <p:grpSpPr>
+        <a:xfrm>
+          <a:off x="0" y="0"/>
+          <a:ext cx="0" cy="0"/>
+          <a:chOff x="0" y="0"/>
+          <a:chExt cx="0" cy="0"/>
+        </a:xfrm>
+      </p:grpSpPr>
+      <p:pic>
+        <p:nvPicPr>
+          <p:cNvPr name="Picture 1" id="2"/>
+          <p:cNvPicPr>
+            <a:picLocks noChangeAspect="true"/>
+          </p:cNvPicPr>
+          <p:nvPr/>
+        </p:nvPicPr>
+        <p:blipFill>
+          <a:blip r:embed="rId2"/>
+          <a:stretch>
+            <a:fillRect/>
+          </a:stretch>
+        </p:blipFill>
+        <p:spPr>
+          <a:xfrm>
+            <a:off x="0" y="0"/>
+            <a:ext cx="12192000" cy="6858000"/>
+          </a:xfrm>
+          <a:prstGeom prst="rect">
+            <a:avLst/>
+          </a:prstGeom>
+        </p:spPr>
+      </p:pic>
+    </p:spTree>
+  </p:cSld>
+  <p:clrMapOvr>
+    <a:masterClrMapping/>
+  </p:clrMapOvr>
+</p:sld>
+</file>
+
+<file path=ppt/slides/slide3.xml><?xml version="1.0" encoding="utf-8"?>
+<p:sld xmlns:p="http://schemas.openxmlformats.org/presentationml/2006/main" xmlns:a="http://schemas.openxmlformats.org/drawingml/2006/main" xmlns:r="http://schemas.openxmlformats.org/officeDocument/2006/relationships">
+  <p:cSld>
+    <p:spTree>
+      <p:nvGrpSpPr>
+        <p:cNvPr id="1" name=""/>
+        <p:cNvGrpSpPr/>
+        <p:nvPr/>
+      </p:nvGrpSpPr>
+      <p:grpSpPr>
+        <a:xfrm>
+          <a:off x="0" y="0"/>
+          <a:ext cx="0" cy="0"/>
+          <a:chOff x="0" y="0"/>
+          <a:chExt cx="0" cy="0"/>
+        </a:xfrm>
+      </p:grpSpPr>
+      <p:pic>
+        <p:nvPicPr>
+          <p:cNvPr name="Picture 1" id="2"/>
+          <p:cNvPicPr>
+            <a:picLocks noChangeAspect="true"/>
+          </p:cNvPicPr>
+          <p:nvPr/>
+        </p:nvPicPr>
+        <p:blipFill>
+          <a:blip r:embed="rId2"/>
+          <a:stretch>
+            <a:fillRect/>
+          </a:stretch>
+        </p:blipFill>
+        <p:spPr>
+          <a:xfrm>
+            <a:off x="0" y="0"/>
+            <a:ext cx="12192000" cy="6858000"/>
+          </a:xfrm>
+          <a:prstGeom prst="rect">
+            <a:avLst/>
+          </a:prstGeom>
+        </p:spPr>
+      </p:pic>
+    </p:spTree>
+  </p:cSld>
+  <p:clrMapOvr>
+    <a:masterClrMapping/>
+  </p:clrMapOvr>
+</p:sld>
+</file>
+
+<file path=ppt/slides/slide4.xml><?xml version="1.0" encoding="utf-8"?>
+<p:sld xmlns:p="http://schemas.openxmlformats.org/presentationml/2006/main" xmlns:a="http://schemas.openxmlformats.org/drawingml/2006/main" xmlns:r="http://schemas.openxmlformats.org/officeDocument/2006/relationships">
+  <p:cSld>
+    <p:spTree>
+      <p:nvGrpSpPr>
+        <p:cNvPr id="1" name=""/>
+        <p:cNvGrpSpPr/>
+        <p:nvPr/>
+      </p:nvGrpSpPr>
+      <p:grpSpPr>
+        <a:xfrm>
+          <a:off x="0" y="0"/>
+          <a:ext cx="0" cy="0"/>
+          <a:chOff x="0" y="0"/>
+          <a:chExt cx="0" cy="0"/>
+        </a:xfrm>
+      </p:grpSpPr>
+      <p:pic>
+        <p:nvPicPr>
+          <p:cNvPr name="Picture 1" id="2"/>
+          <p:cNvPicPr>
+            <a:picLocks noChangeAspect="true"/>
+          </p:cNvPicPr>
+          <p:nvPr/>
+        </p:nvPicPr>
+        <p:blipFill>
+          <a:blip r:embed="rId2"/>
+          <a:stretch>
+            <a:fillRect/>
+          </a:stretch>
+        </p:blipFill>
+        <p:spPr>
+          <a:xfrm>
+            <a:off x="0" y="0"/>
+            <a:ext cx="12192000" cy="6858000"/>
+          </a:xfrm>
+          <a:prstGeom prst="rect">
+            <a:avLst/>
+          </a:prstGeom>
+        </p:spPr>
+      </p:pic>
+    </p:spTree>
+  </p:cSld>
+  <p:clrMapOvr>
+    <a:masterClrMapping/>
+  </p:clrMapOvr>
+</p:sld>
+</file>
+
+<file path=ppt/slides/slide5.xml><?xml version="1.0" encoding="utf-8"?>
+<p:sld xmlns:p="http://schemas.openxmlformats.org/presentationml/2006/main" xmlns:a="http://schemas.openxmlformats.org/drawingml/2006/main" xmlns:r="http://schemas.openxmlformats.org/officeDocument/2006/relationships">
+  <p:cSld>
+    <p:spTree>
+      <p:nvGrpSpPr>
+        <p:cNvPr id="1" name=""/>
+        <p:cNvGrpSpPr/>
+        <p:nvPr/>
+      </p:nvGrpSpPr>
+      <p:grpSpPr>
+        <a:xfrm>
+          <a:off x="0" y="0"/>
+          <a:ext cx="0" cy="0"/>
+          <a:chOff x="0" y="0"/>
+          <a:chExt cx="0" cy="0"/>
+        </a:xfrm>
+      </p:grpSpPr>
+      <p:pic>
+        <p:nvPicPr>
+          <p:cNvPr name="Picture 1" id="2"/>
+          <p:cNvPicPr>
+            <a:picLocks noChangeAspect="true"/>
+          </p:cNvPicPr>
+          <p:nvPr/>
+        </p:nvPicPr>
+        <p:blipFill>
+          <a:blip r:embed="rId2"/>
+          <a:stretch>
+            <a:fillRect/>
+          </a:stretch>
+        </p:blipFill>
+        <p:spPr>
+          <a:xfrm>
+            <a:off x="0" y="0"/>
+            <a:ext cx="12192000" cy="6858000"/>
           </a:xfrm>
           <a:prstGeom prst="rect">
             <a:avLst/>
